--- a/pre-made-ppt/Through it all.pptx
+++ b/pre-made-ppt/Through it all.pptx
@@ -112,7 +112,7 @@
   </p:defaultTextStyle>
   <p:extLst>
     <p:ext uri="{EFAFB233-063F-42B5-8137-9DF3F51BA10A}">
-      <p15:sldGuideLst xmlns="" xmlns:p15="http://schemas.microsoft.com/office/powerpoint/2012/main">
+      <p15:sldGuideLst xmlns:p15="http://schemas.microsoft.com/office/powerpoint/2012/main" xmlns="">
         <p15:guide id="1" orient="horz" pos="2160">
           <p15:clr>
             <a:srgbClr val="A4A3A4"/>
